--- a/presentation/movietime_presentation.pptx
+++ b/presentation/movietime_presentation.pptx
@@ -9,6 +9,9 @@
     <p:sldId id="257" r:id="rId3"/>
     <p:sldId id="258" r:id="rId4"/>
     <p:sldId id="259" r:id="rId5"/>
+    <p:sldId id="260" r:id="rId6"/>
+    <p:sldId id="261" r:id="rId7"/>
+    <p:sldId id="262" r:id="rId8"/>
   </p:sldIdLst>
   <p:sldSz cx="12192000" cy="6858000"/>
   <p:notesSz cx="6858000" cy="9144000"/>
@@ -107,6 +110,11 @@
       </a:defRPr>
     </a:lvl9pPr>
   </p:defaultTextStyle>
+  <p:extLst>
+    <p:ext uri="{EFAFB233-063F-42B5-8137-9DF3F51BA10A}">
+      <p15:sldGuideLst xmlns:p15="http://schemas.microsoft.com/office/powerpoint/2012/main"/>
+    </p:ext>
+  </p:extLst>
 </p:presentation>
 </file>
 
@@ -352,7 +360,7 @@
             <a:fld id="{B61BEF0D-F0BB-DE4B-95CE-6DB70DBA9567}" type="datetimeFigureOut">
               <a:rPr lang="en-US" dirty="0"/>
               <a:pPr/>
-              <a:t>8/4/2021</a:t>
+              <a:t>8/11/2021</a:t>
             </a:fld>
             <a:endParaRPr lang="en-US" dirty="0"/>
           </a:p>
@@ -683,7 +691,7 @@
             <a:fld id="{B61BEF0D-F0BB-DE4B-95CE-6DB70DBA9567}" type="datetimeFigureOut">
               <a:rPr lang="en-US" dirty="0"/>
               <a:pPr/>
-              <a:t>8/4/2021</a:t>
+              <a:t>8/11/2021</a:t>
             </a:fld>
             <a:endParaRPr lang="en-US" dirty="0"/>
           </a:p>
@@ -958,7 +966,7 @@
             <a:fld id="{B61BEF0D-F0BB-DE4B-95CE-6DB70DBA9567}" type="datetimeFigureOut">
               <a:rPr lang="en-US" dirty="0"/>
               <a:pPr/>
-              <a:t>8/4/2021</a:t>
+              <a:t>8/11/2021</a:t>
             </a:fld>
             <a:endParaRPr lang="en-US" dirty="0"/>
           </a:p>
@@ -1523,7 +1531,7 @@
             <a:fld id="{B61BEF0D-F0BB-DE4B-95CE-6DB70DBA9567}" type="datetimeFigureOut">
               <a:rPr lang="en-US" dirty="0"/>
               <a:pPr/>
-              <a:t>8/4/2021</a:t>
+              <a:t>8/11/2021</a:t>
             </a:fld>
             <a:endParaRPr lang="en-US" dirty="0"/>
           </a:p>
@@ -1798,7 +1806,7 @@
             <a:fld id="{B61BEF0D-F0BB-DE4B-95CE-6DB70DBA9567}" type="datetimeFigureOut">
               <a:rPr lang="en-US" dirty="0"/>
               <a:pPr/>
-              <a:t>8/4/2021</a:t>
+              <a:t>8/11/2021</a:t>
             </a:fld>
             <a:endParaRPr lang="en-US" dirty="0"/>
           </a:p>
@@ -2357,7 +2365,7 @@
             <a:fld id="{B61BEF0D-F0BB-DE4B-95CE-6DB70DBA9567}" type="datetimeFigureOut">
               <a:rPr lang="en-US" dirty="0"/>
               <a:pPr/>
-              <a:t>8/4/2021</a:t>
+              <a:t>8/11/2021</a:t>
             </a:fld>
             <a:endParaRPr lang="en-US" dirty="0"/>
           </a:p>
@@ -2681,7 +2689,7 @@
             <a:fld id="{B61BEF0D-F0BB-DE4B-95CE-6DB70DBA9567}" type="datetimeFigureOut">
               <a:rPr lang="en-US" dirty="0"/>
               <a:pPr/>
-              <a:t>8/4/2021</a:t>
+              <a:t>8/11/2021</a:t>
             </a:fld>
             <a:endParaRPr lang="en-US" dirty="0"/>
           </a:p>
@@ -2855,7 +2863,7 @@
             <a:fld id="{B61BEF0D-F0BB-DE4B-95CE-6DB70DBA9567}" type="datetimeFigureOut">
               <a:rPr lang="en-US" dirty="0"/>
               <a:pPr/>
-              <a:t>8/4/2021</a:t>
+              <a:t>8/11/2021</a:t>
             </a:fld>
             <a:endParaRPr lang="en-US" dirty="0"/>
           </a:p>
@@ -3090,7 +3098,7 @@
             <a:fld id="{B61BEF0D-F0BB-DE4B-95CE-6DB70DBA9567}" type="datetimeFigureOut">
               <a:rPr lang="en-US" dirty="0"/>
               <a:pPr/>
-              <a:t>8/4/2021</a:t>
+              <a:t>8/11/2021</a:t>
             </a:fld>
             <a:endParaRPr lang="en-US" dirty="0"/>
           </a:p>
@@ -3287,7 +3295,7 @@
             <a:fld id="{B61BEF0D-F0BB-DE4B-95CE-6DB70DBA9567}" type="datetimeFigureOut">
               <a:rPr lang="en-US" dirty="0"/>
               <a:pPr/>
-              <a:t>8/4/2021</a:t>
+              <a:t>8/11/2021</a:t>
             </a:fld>
             <a:endParaRPr lang="en-US" dirty="0"/>
           </a:p>
@@ -3560,7 +3568,7 @@
             <a:fld id="{B61BEF0D-F0BB-DE4B-95CE-6DB70DBA9567}" type="datetimeFigureOut">
               <a:rPr lang="en-US" dirty="0"/>
               <a:pPr/>
-              <a:t>8/4/2021</a:t>
+              <a:t>8/11/2021</a:t>
             </a:fld>
             <a:endParaRPr lang="en-US" dirty="0"/>
           </a:p>
@@ -3823,7 +3831,7 @@
             <a:fld id="{B61BEF0D-F0BB-DE4B-95CE-6DB70DBA9567}" type="datetimeFigureOut">
               <a:rPr lang="en-US" dirty="0"/>
               <a:pPr/>
-              <a:t>8/4/2021</a:t>
+              <a:t>8/11/2021</a:t>
             </a:fld>
             <a:endParaRPr lang="en-US" dirty="0"/>
           </a:p>
@@ -4194,7 +4202,7 @@
             <a:fld id="{B61BEF0D-F0BB-DE4B-95CE-6DB70DBA9567}" type="datetimeFigureOut">
               <a:rPr lang="en-US" dirty="0"/>
               <a:pPr/>
-              <a:t>8/4/2021</a:t>
+              <a:t>8/11/2021</a:t>
             </a:fld>
             <a:endParaRPr lang="en-US" dirty="0"/>
           </a:p>
@@ -4339,7 +4347,7 @@
             <a:fld id="{B61BEF0D-F0BB-DE4B-95CE-6DB70DBA9567}" type="datetimeFigureOut">
               <a:rPr lang="en-US" dirty="0"/>
               <a:pPr/>
-              <a:t>8/4/2021</a:t>
+              <a:t>8/11/2021</a:t>
             </a:fld>
             <a:endParaRPr lang="en-US" dirty="0"/>
           </a:p>
@@ -4461,7 +4469,7 @@
             <a:fld id="{B61BEF0D-F0BB-DE4B-95CE-6DB70DBA9567}" type="datetimeFigureOut">
               <a:rPr lang="en-US" dirty="0"/>
               <a:pPr/>
-              <a:t>8/4/2021</a:t>
+              <a:t>8/11/2021</a:t>
             </a:fld>
             <a:endParaRPr lang="en-US" dirty="0"/>
           </a:p>
@@ -4743,7 +4751,7 @@
             <a:fld id="{B61BEF0D-F0BB-DE4B-95CE-6DB70DBA9567}" type="datetimeFigureOut">
               <a:rPr lang="en-US" dirty="0"/>
               <a:pPr/>
-              <a:t>8/4/2021</a:t>
+              <a:t>8/11/2021</a:t>
             </a:fld>
             <a:endParaRPr lang="en-US" dirty="0"/>
           </a:p>
@@ -5064,7 +5072,7 @@
             <a:fld id="{B61BEF0D-F0BB-DE4B-95CE-6DB70DBA9567}" type="datetimeFigureOut">
               <a:rPr lang="en-US" dirty="0"/>
               <a:pPr/>
-              <a:t>8/4/2021</a:t>
+              <a:t>8/11/2021</a:t>
             </a:fld>
             <a:endParaRPr lang="en-US" dirty="0"/>
           </a:p>
@@ -5275,7 +5283,7 @@
             <a:fld id="{B61BEF0D-F0BB-DE4B-95CE-6DB70DBA9567}" type="datetimeFigureOut">
               <a:rPr lang="en-US" dirty="0"/>
               <a:pPr/>
-              <a:t>8/4/2021</a:t>
+              <a:t>8/11/2021</a:t>
             </a:fld>
             <a:endParaRPr lang="en-US" dirty="0"/>
           </a:p>
@@ -7546,18 +7554,24 @@
         <p:spPr>
           <a:xfrm>
             <a:off x="685801" y="2291254"/>
-            <a:ext cx="10131425" cy="1933905"/>
+            <a:ext cx="10131425" cy="3499946"/>
           </a:xfrm>
         </p:spPr>
         <p:txBody>
           <a:bodyPr>
-            <a:normAutofit fontScale="92500" lnSpcReduction="10000"/>
+            <a:normAutofit/>
           </a:bodyPr>
           <a:lstStyle/>
           <a:p>
             <a:r>
               <a:rPr lang="en-US" dirty="0"/>
               <a:t>React JS</a:t>
+            </a:r>
+          </a:p>
+          <a:p>
+            <a:r>
+              <a:rPr lang="en-US" dirty="0"/>
+              <a:t>Redux</a:t>
             </a:r>
           </a:p>
           <a:p>
@@ -7619,10 +7633,386 @@
           </a:prstGeom>
         </p:spPr>
       </p:pic>
+      <p:pic>
+        <p:nvPicPr>
+          <p:cNvPr id="10" name="Picture 9">
+            <a:extLst>
+              <a:ext uri="{FF2B5EF4-FFF2-40B4-BE49-F238E27FC236}">
+                <a16:creationId xmlns:a16="http://schemas.microsoft.com/office/drawing/2014/main" id="{451D173A-2B00-41F4-82EC-48C0F45A7191}"/>
+              </a:ext>
+            </a:extLst>
+          </p:cNvPr>
+          <p:cNvPicPr>
+            <a:picLocks noChangeAspect="1"/>
+          </p:cNvPicPr>
+          <p:nvPr/>
+        </p:nvPicPr>
+        <p:blipFill>
+          <a:blip r:embed="rId3"/>
+          <a:stretch>
+            <a:fillRect/>
+          </a:stretch>
+        </p:blipFill>
+        <p:spPr>
+          <a:xfrm>
+            <a:off x="2665692" y="2757852"/>
+            <a:ext cx="3896822" cy="1979338"/>
+          </a:xfrm>
+          <a:prstGeom prst="rect">
+            <a:avLst/>
+          </a:prstGeom>
+        </p:spPr>
+      </p:pic>
     </p:spTree>
     <p:extLst>
       <p:ext uri="{BB962C8B-B14F-4D97-AF65-F5344CB8AC3E}">
         <p14:creationId xmlns:p14="http://schemas.microsoft.com/office/powerpoint/2010/main" val="247653205"/>
+      </p:ext>
+    </p:extLst>
+  </p:cSld>
+  <p:clrMapOvr>
+    <a:masterClrMapping/>
+  </p:clrMapOvr>
+</p:sld>
+</file>
+
+<file path=ppt/slides/slide5.xml><?xml version="1.0" encoding="utf-8"?>
+<p:sld xmlns:a="http://schemas.openxmlformats.org/drawingml/2006/main" xmlns:r="http://schemas.openxmlformats.org/officeDocument/2006/relationships" xmlns:p="http://schemas.openxmlformats.org/presentationml/2006/main">
+  <p:cSld>
+    <p:spTree>
+      <p:nvGrpSpPr>
+        <p:cNvPr id="1" name=""/>
+        <p:cNvGrpSpPr/>
+        <p:nvPr/>
+      </p:nvGrpSpPr>
+      <p:grpSpPr>
+        <a:xfrm>
+          <a:off x="0" y="0"/>
+          <a:ext cx="0" cy="0"/>
+          <a:chOff x="0" y="0"/>
+          <a:chExt cx="0" cy="0"/>
+        </a:xfrm>
+      </p:grpSpPr>
+      <p:sp>
+        <p:nvSpPr>
+          <p:cNvPr id="2" name="Title 1">
+            <a:extLst>
+              <a:ext uri="{FF2B5EF4-FFF2-40B4-BE49-F238E27FC236}">
+                <a16:creationId xmlns:a16="http://schemas.microsoft.com/office/drawing/2014/main" id="{315128E8-54F0-4540-BF24-81FA33A6A0B6}"/>
+              </a:ext>
+            </a:extLst>
+          </p:cNvPr>
+          <p:cNvSpPr>
+            <a:spLocks noGrp="1"/>
+          </p:cNvSpPr>
+          <p:nvPr>
+            <p:ph type="title"/>
+          </p:nvPr>
+        </p:nvSpPr>
+        <p:spPr/>
+        <p:txBody>
+          <a:bodyPr/>
+          <a:lstStyle/>
+          <a:p>
+            <a:r>
+              <a:rPr lang="en-US" dirty="0"/>
+              <a:t>Patterns:</a:t>
+            </a:r>
+          </a:p>
+        </p:txBody>
+      </p:sp>
+      <p:sp>
+        <p:nvSpPr>
+          <p:cNvPr id="3" name="Content Placeholder 2">
+            <a:extLst>
+              <a:ext uri="{FF2B5EF4-FFF2-40B4-BE49-F238E27FC236}">
+                <a16:creationId xmlns:a16="http://schemas.microsoft.com/office/drawing/2014/main" id="{40C9603C-4489-4A71-BF7C-5E7B36463862}"/>
+              </a:ext>
+            </a:extLst>
+          </p:cNvPr>
+          <p:cNvSpPr>
+            <a:spLocks noGrp="1"/>
+          </p:cNvSpPr>
+          <p:nvPr>
+            <p:ph idx="1"/>
+          </p:nvPr>
+        </p:nvSpPr>
+        <p:spPr>
+          <a:xfrm>
+            <a:off x="685801" y="2142068"/>
+            <a:ext cx="10131425" cy="3468158"/>
+          </a:xfrm>
+        </p:spPr>
+        <p:txBody>
+          <a:bodyPr>
+            <a:normAutofit lnSpcReduction="10000"/>
+          </a:bodyPr>
+          <a:lstStyle/>
+          <a:p>
+            <a:r>
+              <a:rPr lang="en-US" u="sng" dirty="0"/>
+              <a:t>Observer Pattern </a:t>
+            </a:r>
+            <a:r>
+              <a:rPr lang="en-US" dirty="0"/>
+              <a:t>- </a:t>
+            </a:r>
+            <a:r>
+              <a:rPr lang="en-US" b="0" i="0" dirty="0">
+                <a:effectLst/>
+              </a:rPr>
+              <a:t>In Redux, when using the connect() method </a:t>
+            </a:r>
+            <a:r>
+              <a:rPr lang="en-US" dirty="0"/>
+              <a:t>makes it</a:t>
+            </a:r>
+            <a:r>
+              <a:rPr lang="en-US" b="0" i="0" dirty="0">
+                <a:effectLst/>
+              </a:rPr>
+              <a:t> possible for components to listen (or connect) to any part of the state tree. When the state changes, the components will update. </a:t>
+            </a:r>
+          </a:p>
+          <a:p>
+            <a:pPr marL="0" indent="0">
+              <a:lnSpc>
+                <a:spcPct val="110000"/>
+              </a:lnSpc>
+              <a:buNone/>
+            </a:pPr>
+            <a:endParaRPr lang="en-US" dirty="0"/>
+          </a:p>
+          <a:p>
+            <a:r>
+              <a:rPr lang="en-US" u="sng" dirty="0"/>
+              <a:t>Constructor</a:t>
+            </a:r>
+            <a:r>
+              <a:rPr lang="en-US" dirty="0"/>
+              <a:t> - </a:t>
+            </a:r>
+            <a:r>
+              <a:rPr lang="en-US" b="0" i="0" dirty="0">
+                <a:effectLst/>
+              </a:rPr>
+              <a:t>Binding </a:t>
+            </a:r>
+            <a:r>
+              <a:rPr lang="en-US" dirty="0"/>
+              <a:t>event handler</a:t>
+            </a:r>
+            <a:r>
+              <a:rPr lang="en-US" b="0" i="0" dirty="0">
+                <a:effectLst/>
+              </a:rPr>
+              <a:t> methods to an instance. Initializing local state by assigning an object to this.state</a:t>
+            </a:r>
+          </a:p>
+          <a:p>
+            <a:pPr marL="0" indent="0">
+              <a:buNone/>
+            </a:pPr>
+            <a:endParaRPr lang="en-US" dirty="0"/>
+          </a:p>
+          <a:p>
+            <a:r>
+              <a:rPr lang="en-US" u="sng" dirty="0"/>
+              <a:t>Module</a:t>
+            </a:r>
+            <a:r>
+              <a:rPr lang="en-US" dirty="0"/>
+              <a:t> - </a:t>
+            </a:r>
+            <a:r>
+              <a:rPr lang="en-US" b="0" i="0" dirty="0">
+                <a:effectLst/>
+              </a:rPr>
+              <a:t>The module structure for Redux is all about dividing code by domain areas and eliminating dependencies between the modules.</a:t>
+            </a:r>
+          </a:p>
+          <a:p>
+            <a:pPr marL="0" indent="0">
+              <a:buNone/>
+            </a:pPr>
+            <a:endParaRPr lang="en-US" dirty="0"/>
+          </a:p>
+          <a:p>
+            <a:r>
+              <a:rPr lang="en-US" u="sng" dirty="0"/>
+              <a:t>Singleton</a:t>
+            </a:r>
+            <a:r>
+              <a:rPr lang="en-US" dirty="0"/>
+              <a:t> – Redux Store is technically a Singleton when exporting store instances from modules.</a:t>
+            </a:r>
+          </a:p>
+        </p:txBody>
+      </p:sp>
+    </p:spTree>
+    <p:extLst>
+      <p:ext uri="{BB962C8B-B14F-4D97-AF65-F5344CB8AC3E}">
+        <p14:creationId xmlns:p14="http://schemas.microsoft.com/office/powerpoint/2010/main" val="2185883832"/>
+      </p:ext>
+    </p:extLst>
+  </p:cSld>
+  <p:clrMapOvr>
+    <a:masterClrMapping/>
+  </p:clrMapOvr>
+</p:sld>
+</file>
+
+<file path=ppt/slides/slide6.xml><?xml version="1.0" encoding="utf-8"?>
+<p:sld xmlns:a="http://schemas.openxmlformats.org/drawingml/2006/main" xmlns:r="http://schemas.openxmlformats.org/officeDocument/2006/relationships" xmlns:p="http://schemas.openxmlformats.org/presentationml/2006/main">
+  <p:cSld>
+    <p:spTree>
+      <p:nvGrpSpPr>
+        <p:cNvPr id="1" name=""/>
+        <p:cNvGrpSpPr/>
+        <p:nvPr/>
+      </p:nvGrpSpPr>
+      <p:grpSpPr>
+        <a:xfrm>
+          <a:off x="0" y="0"/>
+          <a:ext cx="0" cy="0"/>
+          <a:chOff x="0" y="0"/>
+          <a:chExt cx="0" cy="0"/>
+        </a:xfrm>
+      </p:grpSpPr>
+      <p:sp>
+        <p:nvSpPr>
+          <p:cNvPr id="2" name="Title 1">
+            <a:extLst>
+              <a:ext uri="{FF2B5EF4-FFF2-40B4-BE49-F238E27FC236}">
+                <a16:creationId xmlns:a16="http://schemas.microsoft.com/office/drawing/2014/main" id="{0AFD8F3C-AB10-4ACF-A027-6E4CE4AC271C}"/>
+              </a:ext>
+            </a:extLst>
+          </p:cNvPr>
+          <p:cNvSpPr>
+            <a:spLocks noGrp="1"/>
+          </p:cNvSpPr>
+          <p:nvPr>
+            <p:ph type="title"/>
+          </p:nvPr>
+        </p:nvSpPr>
+        <p:spPr/>
+        <p:txBody>
+          <a:bodyPr/>
+          <a:lstStyle/>
+          <a:p>
+            <a:r>
+              <a:rPr lang="en-US" dirty="0"/>
+              <a:t>Challenges</a:t>
+            </a:r>
+          </a:p>
+        </p:txBody>
+      </p:sp>
+      <p:sp>
+        <p:nvSpPr>
+          <p:cNvPr id="3" name="Content Placeholder 2">
+            <a:extLst>
+              <a:ext uri="{FF2B5EF4-FFF2-40B4-BE49-F238E27FC236}">
+                <a16:creationId xmlns:a16="http://schemas.microsoft.com/office/drawing/2014/main" id="{DF0FC4B5-718C-4B20-A25F-E740C68101F8}"/>
+              </a:ext>
+            </a:extLst>
+          </p:cNvPr>
+          <p:cNvSpPr>
+            <a:spLocks noGrp="1"/>
+          </p:cNvSpPr>
+          <p:nvPr>
+            <p:ph idx="1"/>
+          </p:nvPr>
+        </p:nvSpPr>
+        <p:spPr>
+          <a:xfrm>
+            <a:off x="685801" y="1524001"/>
+            <a:ext cx="10131425" cy="4267200"/>
+          </a:xfrm>
+        </p:spPr>
+        <p:txBody>
+          <a:bodyPr/>
+          <a:lstStyle/>
+          <a:p>
+            <a:r>
+              <a:rPr lang="en-US" dirty="0"/>
+              <a:t>Time Constraints – Started project later than I should (mid-July).</a:t>
+            </a:r>
+          </a:p>
+          <a:p>
+            <a:endParaRPr lang="en-US" dirty="0"/>
+          </a:p>
+          <a:p>
+            <a:r>
+              <a:rPr lang="en-US" dirty="0"/>
+              <a:t>Defining scope of project. (MVP vs. special features).</a:t>
+            </a:r>
+          </a:p>
+        </p:txBody>
+      </p:sp>
+    </p:spTree>
+    <p:extLst>
+      <p:ext uri="{BB962C8B-B14F-4D97-AF65-F5344CB8AC3E}">
+        <p14:creationId xmlns:p14="http://schemas.microsoft.com/office/powerpoint/2010/main" val="3538288012"/>
+      </p:ext>
+    </p:extLst>
+  </p:cSld>
+  <p:clrMapOvr>
+    <a:masterClrMapping/>
+  </p:clrMapOvr>
+</p:sld>
+</file>
+
+<file path=ppt/slides/slide7.xml><?xml version="1.0" encoding="utf-8"?>
+<p:sld xmlns:a="http://schemas.openxmlformats.org/drawingml/2006/main" xmlns:r="http://schemas.openxmlformats.org/officeDocument/2006/relationships" xmlns:p="http://schemas.openxmlformats.org/presentationml/2006/main">
+  <p:cSld>
+    <p:spTree>
+      <p:nvGrpSpPr>
+        <p:cNvPr id="1" name=""/>
+        <p:cNvGrpSpPr/>
+        <p:nvPr/>
+      </p:nvGrpSpPr>
+      <p:grpSpPr>
+        <a:xfrm>
+          <a:off x="0" y="0"/>
+          <a:ext cx="0" cy="0"/>
+          <a:chOff x="0" y="0"/>
+          <a:chExt cx="0" cy="0"/>
+        </a:xfrm>
+      </p:grpSpPr>
+      <p:pic>
+        <p:nvPicPr>
+          <p:cNvPr id="4" name="Picture 3" descr="Icon&#10;&#10;Description automatically generated">
+            <a:extLst>
+              <a:ext uri="{FF2B5EF4-FFF2-40B4-BE49-F238E27FC236}">
+                <a16:creationId xmlns:a16="http://schemas.microsoft.com/office/drawing/2014/main" id="{81173D48-6723-44BB-963A-2F5AA6E55B6B}"/>
+              </a:ext>
+            </a:extLst>
+          </p:cNvPr>
+          <p:cNvPicPr>
+            <a:picLocks noChangeAspect="1"/>
+          </p:cNvPicPr>
+          <p:nvPr/>
+        </p:nvPicPr>
+        <p:blipFill>
+          <a:blip r:embed="rId2"/>
+          <a:stretch>
+            <a:fillRect/>
+          </a:stretch>
+        </p:blipFill>
+        <p:spPr>
+          <a:xfrm>
+            <a:off x="3438525" y="2565508"/>
+            <a:ext cx="4876190" cy="1726984"/>
+          </a:xfrm>
+          <a:prstGeom prst="rect">
+            <a:avLst/>
+          </a:prstGeom>
+        </p:spPr>
+      </p:pic>
+    </p:spTree>
+    <p:extLst>
+      <p:ext uri="{BB962C8B-B14F-4D97-AF65-F5344CB8AC3E}">
+        <p14:creationId xmlns:p14="http://schemas.microsoft.com/office/powerpoint/2010/main" val="1306822619"/>
       </p:ext>
     </p:extLst>
   </p:cSld>
